--- a/archive/David_Herrera/Manuscripts/Perspective_NSC_age_vs_CO2_age/Presentation_brainstroming.pptx
+++ b/archive/David_Herrera/Manuscripts/Perspective_NSC_age_vs_CO2_age/Presentation_brainstroming.pptx
@@ -12,6 +12,7 @@
     <p:sldId id="260" r:id="rId6"/>
     <p:sldId id="261" r:id="rId7"/>
     <p:sldId id="262" r:id="rId8"/>
+    <p:sldId id="263" r:id="rId9"/>
   </p:sldIdLst>
   <p:sldSz cx="12192000" cy="6858000"/>
   <p:notesSz cx="6858000" cy="9144000"/>
@@ -110,6 +111,11 @@
       </a:defRPr>
     </a:lvl9pPr>
   </p:defaultTextStyle>
+  <p:extLst>
+    <p:ext uri="{EFAFB233-063F-42B5-8137-9DF3F51BA10A}">
+      <p15:sldGuideLst xmlns:p15="http://schemas.microsoft.com/office/powerpoint/2012/main"/>
+    </p:ext>
+  </p:extLst>
 </p:presentation>
 </file>
 
@@ -262,7 +268,7 @@
           <a:p>
             <a:fld id="{5003E6C5-2BC5-A443-AC41-BD5DE365F2E3}" type="datetimeFigureOut">
               <a:rPr lang="en-DE" smtClean="0"/>
-              <a:t>18.06.24</a:t>
+              <a:t>25.06.24</a:t>
             </a:fld>
             <a:endParaRPr lang="en-DE"/>
           </a:p>
@@ -462,7 +468,7 @@
           <a:p>
             <a:fld id="{5003E6C5-2BC5-A443-AC41-BD5DE365F2E3}" type="datetimeFigureOut">
               <a:rPr lang="en-DE" smtClean="0"/>
-              <a:t>18.06.24</a:t>
+              <a:t>25.06.24</a:t>
             </a:fld>
             <a:endParaRPr lang="en-DE"/>
           </a:p>
@@ -672,7 +678,7 @@
           <a:p>
             <a:fld id="{5003E6C5-2BC5-A443-AC41-BD5DE365F2E3}" type="datetimeFigureOut">
               <a:rPr lang="en-DE" smtClean="0"/>
-              <a:t>18.06.24</a:t>
+              <a:t>25.06.24</a:t>
             </a:fld>
             <a:endParaRPr lang="en-DE"/>
           </a:p>
@@ -872,7 +878,7 @@
           <a:p>
             <a:fld id="{5003E6C5-2BC5-A443-AC41-BD5DE365F2E3}" type="datetimeFigureOut">
               <a:rPr lang="en-DE" smtClean="0"/>
-              <a:t>18.06.24</a:t>
+              <a:t>25.06.24</a:t>
             </a:fld>
             <a:endParaRPr lang="en-DE"/>
           </a:p>
@@ -1148,7 +1154,7 @@
           <a:p>
             <a:fld id="{5003E6C5-2BC5-A443-AC41-BD5DE365F2E3}" type="datetimeFigureOut">
               <a:rPr lang="en-DE" smtClean="0"/>
-              <a:t>18.06.24</a:t>
+              <a:t>25.06.24</a:t>
             </a:fld>
             <a:endParaRPr lang="en-DE"/>
           </a:p>
@@ -1416,7 +1422,7 @@
           <a:p>
             <a:fld id="{5003E6C5-2BC5-A443-AC41-BD5DE365F2E3}" type="datetimeFigureOut">
               <a:rPr lang="en-DE" smtClean="0"/>
-              <a:t>18.06.24</a:t>
+              <a:t>25.06.24</a:t>
             </a:fld>
             <a:endParaRPr lang="en-DE"/>
           </a:p>
@@ -1831,7 +1837,7 @@
           <a:p>
             <a:fld id="{5003E6C5-2BC5-A443-AC41-BD5DE365F2E3}" type="datetimeFigureOut">
               <a:rPr lang="en-DE" smtClean="0"/>
-              <a:t>18.06.24</a:t>
+              <a:t>25.06.24</a:t>
             </a:fld>
             <a:endParaRPr lang="en-DE"/>
           </a:p>
@@ -1973,7 +1979,7 @@
           <a:p>
             <a:fld id="{5003E6C5-2BC5-A443-AC41-BD5DE365F2E3}" type="datetimeFigureOut">
               <a:rPr lang="en-DE" smtClean="0"/>
-              <a:t>18.06.24</a:t>
+              <a:t>25.06.24</a:t>
             </a:fld>
             <a:endParaRPr lang="en-DE"/>
           </a:p>
@@ -2086,7 +2092,7 @@
           <a:p>
             <a:fld id="{5003E6C5-2BC5-A443-AC41-BD5DE365F2E3}" type="datetimeFigureOut">
               <a:rPr lang="en-DE" smtClean="0"/>
-              <a:t>18.06.24</a:t>
+              <a:t>25.06.24</a:t>
             </a:fld>
             <a:endParaRPr lang="en-DE"/>
           </a:p>
@@ -2399,7 +2405,7 @@
           <a:p>
             <a:fld id="{5003E6C5-2BC5-A443-AC41-BD5DE365F2E3}" type="datetimeFigureOut">
               <a:rPr lang="en-DE" smtClean="0"/>
-              <a:t>18.06.24</a:t>
+              <a:t>25.06.24</a:t>
             </a:fld>
             <a:endParaRPr lang="en-DE"/>
           </a:p>
@@ -2688,7 +2694,7 @@
           <a:p>
             <a:fld id="{5003E6C5-2BC5-A443-AC41-BD5DE365F2E3}" type="datetimeFigureOut">
               <a:rPr lang="en-DE" smtClean="0"/>
-              <a:t>18.06.24</a:t>
+              <a:t>25.06.24</a:t>
             </a:fld>
             <a:endParaRPr lang="en-DE"/>
           </a:p>
@@ -2931,7 +2937,7 @@
           <a:p>
             <a:fld id="{5003E6C5-2BC5-A443-AC41-BD5DE365F2E3}" type="datetimeFigureOut">
               <a:rPr lang="en-DE" smtClean="0"/>
-              <a:t>18.06.24</a:t>
+              <a:t>25.06.24</a:t>
             </a:fld>
             <a:endParaRPr lang="en-DE"/>
           </a:p>
@@ -4692,10 +4698,145 @@
           </a:prstGeom>
         </p:spPr>
       </p:pic>
+      <p:pic>
+        <p:nvPicPr>
+          <p:cNvPr id="2" name="Picture 1" descr="A graph of different species and age&#10;&#10;Description automatically generated">
+            <a:extLst>
+              <a:ext uri="{FF2B5EF4-FFF2-40B4-BE49-F238E27FC236}">
+                <a16:creationId xmlns:a16="http://schemas.microsoft.com/office/drawing/2014/main" id="{FC626015-395C-5B52-3455-8205C612D930}"/>
+              </a:ext>
+            </a:extLst>
+          </p:cNvPr>
+          <p:cNvPicPr>
+            <a:picLocks noChangeAspect="1"/>
+          </p:cNvPicPr>
+          <p:nvPr/>
+        </p:nvPicPr>
+        <p:blipFill>
+          <a:blip r:embed="rId2"/>
+          <a:stretch>
+            <a:fillRect/>
+          </a:stretch>
+        </p:blipFill>
+        <p:spPr>
+          <a:xfrm>
+            <a:off x="680277" y="298973"/>
+            <a:ext cx="8927548" cy="6695661"/>
+          </a:xfrm>
+          <a:prstGeom prst="rect">
+            <a:avLst/>
+          </a:prstGeom>
+        </p:spPr>
+      </p:pic>
     </p:spTree>
     <p:extLst>
       <p:ext uri="{BB962C8B-B14F-4D97-AF65-F5344CB8AC3E}">
         <p14:creationId xmlns:p14="http://schemas.microsoft.com/office/powerpoint/2010/main" val="1398137516"/>
+      </p:ext>
+    </p:extLst>
+  </p:cSld>
+  <p:clrMapOvr>
+    <a:masterClrMapping/>
+  </p:clrMapOvr>
+</p:sld>
+</file>
+
+<file path=ppt/slides/slide8.xml><?xml version="1.0" encoding="utf-8"?>
+<p:sld xmlns:a="http://schemas.openxmlformats.org/drawingml/2006/main" xmlns:r="http://schemas.openxmlformats.org/officeDocument/2006/relationships" xmlns:p="http://schemas.openxmlformats.org/presentationml/2006/main">
+  <p:cSld>
+    <p:spTree>
+      <p:nvGrpSpPr>
+        <p:cNvPr id="1" name=""/>
+        <p:cNvGrpSpPr/>
+        <p:nvPr/>
+      </p:nvGrpSpPr>
+      <p:grpSpPr>
+        <a:xfrm>
+          <a:off x="0" y="0"/>
+          <a:ext cx="0" cy="0"/>
+          <a:chOff x="0" y="0"/>
+          <a:chExt cx="0" cy="0"/>
+        </a:xfrm>
+      </p:grpSpPr>
+      <p:sp>
+        <p:nvSpPr>
+          <p:cNvPr id="5" name="AutoShape 6">
+            <a:extLst>
+              <a:ext uri="{FF2B5EF4-FFF2-40B4-BE49-F238E27FC236}">
+                <a16:creationId xmlns:a16="http://schemas.microsoft.com/office/drawing/2014/main" id="{581D8799-7CB3-8877-0F26-F09E968CEBC3}"/>
+              </a:ext>
+            </a:extLst>
+          </p:cNvPr>
+          <p:cNvSpPr>
+            <a:spLocks noChangeAspect="1" noChangeArrowheads="1"/>
+          </p:cNvSpPr>
+          <p:nvPr/>
+        </p:nvSpPr>
+        <p:spPr bwMode="auto">
+          <a:xfrm>
+            <a:off x="5943600" y="3276600"/>
+            <a:ext cx="4250724" cy="4250724"/>
+          </a:xfrm>
+          <a:prstGeom prst="rect">
+            <a:avLst/>
+          </a:prstGeom>
+          <a:noFill/>
+          <a:extLst>
+            <a:ext uri="{909E8E84-426E-40DD-AFC4-6F175D3DCCD1}">
+              <a14:hiddenFill xmlns:a14="http://schemas.microsoft.com/office/drawing/2010/main">
+                <a:solidFill>
+                  <a:srgbClr val="FFFFFF"/>
+                </a:solidFill>
+              </a14:hiddenFill>
+            </a:ext>
+          </a:extLst>
+        </p:spPr>
+        <p:txBody>
+          <a:bodyPr vert="horz" wrap="square" lIns="91440" tIns="45720" rIns="91440" bIns="45720" numCol="1" anchor="t" anchorCtr="0" compatLnSpc="1">
+            <a:prstTxWarp prst="textNoShape">
+              <a:avLst/>
+            </a:prstTxWarp>
+          </a:bodyPr>
+          <a:lstStyle/>
+          <a:p>
+            <a:endParaRPr lang="en-DE"/>
+          </a:p>
+        </p:txBody>
+      </p:sp>
+      <p:pic>
+        <p:nvPicPr>
+          <p:cNvPr id="7" name="Picture 6" descr="A graph of different species&#10;&#10;Description automatically generated">
+            <a:extLst>
+              <a:ext uri="{FF2B5EF4-FFF2-40B4-BE49-F238E27FC236}">
+                <a16:creationId xmlns:a16="http://schemas.microsoft.com/office/drawing/2014/main" id="{C1694373-D8E3-1084-E916-7067AC740BBA}"/>
+              </a:ext>
+            </a:extLst>
+          </p:cNvPr>
+          <p:cNvPicPr>
+            <a:picLocks noChangeAspect="1"/>
+          </p:cNvPicPr>
+          <p:nvPr/>
+        </p:nvPicPr>
+        <p:blipFill>
+          <a:blip r:embed="rId2"/>
+          <a:stretch>
+            <a:fillRect/>
+          </a:stretch>
+        </p:blipFill>
+        <p:spPr>
+          <a:xfrm>
+            <a:off x="2249909" y="0"/>
+            <a:ext cx="7692181" cy="6858000"/>
+          </a:xfrm>
+          <a:prstGeom prst="rect">
+            <a:avLst/>
+          </a:prstGeom>
+        </p:spPr>
+      </p:pic>
+    </p:spTree>
+    <p:extLst>
+      <p:ext uri="{BB962C8B-B14F-4D97-AF65-F5344CB8AC3E}">
+        <p14:creationId xmlns:p14="http://schemas.microsoft.com/office/powerpoint/2010/main" val="1375649187"/>
       </p:ext>
     </p:extLst>
   </p:cSld>
